--- a/Should you choose Disney Plus of Netflix .pptx
+++ b/Should you choose Disney Plus of Netflix .pptx
@@ -8104,15 +8104,7 @@
             </a:br>
             <a:r>
               <a:rPr lang="en-US" sz="2200" dirty="0"/>
-              <a:t>What movies would you enjoy </a:t>
-            </a:r>
-            <a:r>
-              <a:rPr lang="en-US" sz="2200" dirty="0" err="1"/>
-              <a:t>seeinge</a:t>
-            </a:r>
-            <a:r>
-              <a:rPr lang="en-US" sz="2200" dirty="0"/>
-              <a:t> without going to the movie theatre?  </a:t>
+              <a:t>What movies would you enjoy seeing without going into a movie theatre? And how does Disney Plus do in these genres?   </a:t>
             </a:r>
             <a:br>
               <a:rPr lang="en-US" sz="4300" dirty="0"/>
@@ -8175,7 +8167,7 @@
         <p:spPr>
           <a:xfrm>
             <a:off x="6066618" y="559678"/>
-            <a:ext cx="4010167" cy="2335922"/>
+            <a:ext cx="4716571" cy="2747402"/>
           </a:xfrm>
           <a:prstGeom prst="rect">
             <a:avLst/>
